--- a/Algo1 Presentation.pptx
+++ b/Algo1 Presentation.pptx
@@ -15942,8 +15942,12 @@
               <a:buNone/>
             </a:pPr>
             <a:r>
+              <a:rPr lang="en-IN" altLang="en-GB"/>
+              <a:t>Utkarsh Kumar</a:t>
+            </a:r>
+            <a:r>
               <a:rPr lang="en-GB"/>
-              <a:t>Mihir Raj 20</a:t>
+              <a:t> 20</a:t>
             </a:r>
             <a:r>
               <a:rPr lang="en-IN" altLang="en-GB"/>
